--- a/Presentation/Presentation - Project.pptx
+++ b/Presentation/Presentation - Project.pptx
@@ -116,10 +116,6 @@
 </p:presentation>
 </file>
 
-<file path=ppt/revisionInfo.xml><?xml version="1.0" encoding="utf-8"?>
-<p1510:revInfo xmlns:a="http://schemas.openxmlformats.org/drawingml/2006/main" xmlns:r="http://schemas.openxmlformats.org/officeDocument/2006/relationships" xmlns:p1510="http://schemas.microsoft.com/office/powerpoint/2015/10/main"/>
-</file>
-
 <file path=ppt/slideLayouts/slideLayout1.xml><?xml version="1.0" encoding="utf-8"?>
 <p:sldLayout xmlns:a="http://schemas.openxmlformats.org/drawingml/2006/main" xmlns:r="http://schemas.openxmlformats.org/officeDocument/2006/relationships" xmlns:p="http://schemas.openxmlformats.org/presentationml/2006/main" type="title" preserve="1">
   <p:cSld name="Title Slide">
@@ -281,7 +277,7 @@
             <a:fld id="{8CFD8F5A-20C1-49F5-A5C9-143A08828898}" type="datetime1">
               <a:rPr lang="en-US"/>
               <a:pPr lvl="0"/>
-              <a:t>11/5/2017</a:t>
+              <a:t>3/5/2018</a:t>
             </a:fld>
             <a:endParaRPr lang="en-US"/>
           </a:p>
@@ -567,7 +563,7 @@
             <a:fld id="{265807E2-8B93-4BD3-949E-02CAA2E71F21}" type="datetime1">
               <a:rPr lang="en-US"/>
               <a:pPr lvl="0"/>
-              <a:t>11/5/2017</a:t>
+              <a:t>3/5/2018</a:t>
             </a:fld>
             <a:endParaRPr lang="en-US"/>
           </a:p>
@@ -806,7 +802,7 @@
             <a:fld id="{2E7082EE-373A-4CA0-A5D8-02A0295356A2}" type="datetime1">
               <a:rPr lang="en-US"/>
               <a:pPr lvl="0"/>
-              <a:t>11/5/2017</a:t>
+              <a:t>3/5/2018</a:t>
             </a:fld>
             <a:endParaRPr lang="en-US"/>
           </a:p>
@@ -1084,7 +1080,7 @@
             <a:fld id="{223DA9FA-9A6B-41DF-8E42-643906CB14BF}" type="datetime1">
               <a:rPr lang="en-US"/>
               <a:pPr lvl="0"/>
-              <a:t>11/5/2017</a:t>
+              <a:t>3/5/2018</a:t>
             </a:fld>
             <a:endParaRPr lang="en-US"/>
           </a:p>
@@ -1449,7 +1445,7 @@
             <a:fld id="{405CF1A7-7D11-4E32-A3AD-BC625B913310}" type="datetime1">
               <a:rPr lang="en-US"/>
               <a:pPr lvl="0"/>
-              <a:t>11/5/2017</a:t>
+              <a:t>3/5/2018</a:t>
             </a:fld>
             <a:endParaRPr lang="en-US"/>
           </a:p>
@@ -1898,7 +1894,7 @@
             <a:fld id="{C50719B6-A648-40B3-908B-E40029B0AB92}" type="datetime1">
               <a:rPr lang="en-US"/>
               <a:pPr lvl="0"/>
-              <a:t>11/5/2017</a:t>
+              <a:t>3/5/2018</a:t>
             </a:fld>
             <a:endParaRPr lang="en-US"/>
           </a:p>
@@ -2485,7 +2481,7 @@
             <a:fld id="{3B2AAEEE-01C8-4D13-A401-FFFA66473B3B}" type="datetime1">
               <a:rPr lang="en-US"/>
               <a:pPr lvl="0"/>
-              <a:t>11/5/2017</a:t>
+              <a:t>3/5/2018</a:t>
             </a:fld>
             <a:endParaRPr lang="en-US"/>
           </a:p>
@@ -2753,7 +2749,7 @@
             <a:fld id="{78F102CC-4F9B-44B4-B04F-3D3CCF8247C9}" type="datetime1">
               <a:rPr lang="en-US"/>
               <a:pPr lvl="0"/>
-              <a:t>11/5/2017</a:t>
+              <a:t>3/5/2018</a:t>
             </a:fld>
             <a:endParaRPr lang="en-US"/>
           </a:p>
@@ -3031,7 +3027,7 @@
             <a:fld id="{BF3B2F3F-EA14-4F29-BF8A-1BD46EF36E26}" type="datetime1">
               <a:rPr lang="en-US"/>
               <a:pPr lvl="0"/>
-              <a:t>11/5/2017</a:t>
+              <a:t>3/5/2018</a:t>
             </a:fld>
             <a:endParaRPr lang="en-US"/>
           </a:p>
@@ -3304,7 +3300,7 @@
             <a:fld id="{EF1E4ECB-0555-4CD3-A216-866DF5C6C4B8}" type="datetime1">
               <a:rPr lang="en-US"/>
               <a:pPr lvl="0"/>
-              <a:t>11/5/2017</a:t>
+              <a:t>3/5/2018</a:t>
             </a:fld>
             <a:endParaRPr lang="en-US"/>
           </a:p>
@@ -3548,7 +3544,7 @@
             <a:fld id="{55B78D3E-FA08-4C36-A22F-10D271AE77C8}" type="datetime1">
               <a:rPr lang="en-US"/>
               <a:pPr lvl="0"/>
-              <a:t>11/5/2017</a:t>
+              <a:t>3/5/2018</a:t>
             </a:fld>
             <a:endParaRPr lang="en-US"/>
           </a:p>
@@ -3899,7 +3895,7 @@
             <a:fld id="{651A3E52-FB54-4D7F-93D8-CAB4CA9D46FA}" type="datetime1">
               <a:rPr lang="en-US"/>
               <a:pPr lvl="0"/>
-              <a:t>11/5/2017</a:t>
+              <a:t>3/5/2018</a:t>
             </a:fld>
             <a:endParaRPr lang="en-US"/>
           </a:p>
@@ -4338,7 +4334,7 @@
             <a:fld id="{67454D66-F2BD-42D4-87B2-4CD3E388D9CD}" type="datetime1">
               <a:rPr lang="en-US"/>
               <a:pPr lvl="0"/>
-              <a:t>11/5/2017</a:t>
+              <a:t>3/5/2018</a:t>
             </a:fld>
             <a:endParaRPr lang="en-US"/>
           </a:p>
@@ -4533,7 +4529,7 @@
             <a:fld id="{C366F0E5-9902-4319-8B5E-7D9A2E513DF0}" type="datetime1">
               <a:rPr lang="en-US"/>
               <a:pPr lvl="0"/>
-              <a:t>11/5/2017</a:t>
+              <a:t>3/5/2018</a:t>
             </a:fld>
             <a:endParaRPr lang="en-US"/>
           </a:p>
@@ -4695,7 +4691,7 @@
             <a:fld id="{3742B4D3-FE4C-462C-A4B7-C7B559D7AEBC}" type="datetime1">
               <a:rPr lang="en-US"/>
               <a:pPr lvl="0"/>
-              <a:t>11/5/2017</a:t>
+              <a:t>3/5/2018</a:t>
             </a:fld>
             <a:endParaRPr lang="en-US"/>
           </a:p>
@@ -5012,7 +5008,7 @@
             <a:fld id="{16D89379-CDC8-4E9D-859C-97C5419FDF68}" type="datetime1">
               <a:rPr lang="en-US"/>
               <a:pPr lvl="0"/>
-              <a:t>11/5/2017</a:t>
+              <a:t>3/5/2018</a:t>
             </a:fld>
             <a:endParaRPr lang="en-US"/>
           </a:p>
@@ -5297,7 +5293,7 @@
             <a:fld id="{634EA668-74AD-45D7-A470-AE25DA4AD511}" type="datetime1">
               <a:rPr lang="en-US"/>
               <a:pPr lvl="0"/>
-              <a:t>11/5/2017</a:t>
+              <a:t>3/5/2018</a:t>
             </a:fld>
             <a:endParaRPr lang="en-US"/>
           </a:p>
@@ -5623,7 +5619,7 @@
             <a:fld id="{CC68644D-D095-429A-A8F3-0FFDAF6997F6}" type="datetime1">
               <a:rPr lang="en-US"/>
               <a:pPr lvl="0"/>
-              <a:t>11/5/2017</a:t>
+              <a:t>3/5/2018</a:t>
             </a:fld>
             <a:endParaRPr lang="en-US"/>
           </a:p>
@@ -9426,96 +9422,6 @@
           </a:ln>
         </p:spPr>
       </p:cxnSp>
-      <p:grpSp>
-        <p:nvGrpSpPr>
-          <p:cNvPr id="30" name="Group 19">
-            <a:extLst>
-              <a:ext uri="{FF2B5EF4-FFF2-40B4-BE49-F238E27FC236}">
-                <a16:creationId xmlns:a16="http://schemas.microsoft.com/office/drawing/2014/main" id="{B384C18C-34D6-4B81-9E7D-634213AEC8C2}"/>
-              </a:ext>
-            </a:extLst>
-          </p:cNvPr>
-          <p:cNvGrpSpPr/>
-          <p:nvPr/>
-        </p:nvGrpSpPr>
-        <p:grpSpPr>
-          <a:xfrm>
-            <a:off x="7763731" y="4644265"/>
-            <a:ext cx="1777840" cy="1893064"/>
-            <a:chOff x="7763731" y="4644265"/>
-            <a:chExt cx="1777840" cy="1893064"/>
-          </a:xfrm>
-        </p:grpSpPr>
-        <p:pic>
-          <p:nvPicPr>
-            <p:cNvPr id="31" name="Picture 31">
-              <a:extLst>
-                <a:ext uri="{FF2B5EF4-FFF2-40B4-BE49-F238E27FC236}">
-                  <a16:creationId xmlns:a16="http://schemas.microsoft.com/office/drawing/2014/main" id="{0310F08F-A9A4-4282-9024-CDA40B3132B1}"/>
-                </a:ext>
-              </a:extLst>
-            </p:cNvPr>
-            <p:cNvPicPr>
-              <a:picLocks noChangeAspect="1"/>
-            </p:cNvPicPr>
-            <p:nvPr/>
-          </p:nvPicPr>
-          <p:blipFill>
-            <a:blip r:embed="rId11"/>
-            <a:stretch>
-              <a:fillRect/>
-            </a:stretch>
-          </p:blipFill>
-          <p:spPr>
-            <a:xfrm>
-              <a:off x="7881250" y="5439948"/>
-              <a:ext cx="879771" cy="862196"/>
-            </a:xfrm>
-            <a:prstGeom prst="rect">
-              <a:avLst/>
-            </a:prstGeom>
-            <a:noFill/>
-            <a:ln cap="flat">
-              <a:noFill/>
-            </a:ln>
-          </p:spPr>
-        </p:pic>
-        <p:pic>
-          <p:nvPicPr>
-            <p:cNvPr id="32" name="Picture 24" descr="Image result for mongodb png">
-              <a:extLst>
-                <a:ext uri="{FF2B5EF4-FFF2-40B4-BE49-F238E27FC236}">
-                  <a16:creationId xmlns:a16="http://schemas.microsoft.com/office/drawing/2014/main" id="{39AC0043-58DA-44B4-B593-4BDB07589993}"/>
-                </a:ext>
-              </a:extLst>
-            </p:cNvPr>
-            <p:cNvPicPr>
-              <a:picLocks noChangeAspect="1"/>
-            </p:cNvPicPr>
-            <p:nvPr/>
-          </p:nvPicPr>
-          <p:blipFill>
-            <a:blip r:embed="rId13"/>
-            <a:srcRect/>
-            <a:stretch>
-              <a:fillRect/>
-            </a:stretch>
-          </p:blipFill>
-          <p:spPr>
-            <a:xfrm>
-              <a:off x="7763731" y="4644265"/>
-              <a:ext cx="1777840" cy="1893064"/>
-            </a:xfrm>
-            <a:prstGeom prst="rect">
-              <a:avLst/>
-            </a:prstGeom>
-            <a:noFill/>
-            <a:ln cap="flat">
-              <a:noFill/>
-            </a:ln>
-          </p:spPr>
-        </p:pic>
-      </p:grpSp>
       <p:sp>
         <p:nvSpPr>
           <p:cNvPr id="33" name="TextBox 41">
@@ -9593,7 +9499,7 @@
         </p:nvGrpSpPr>
         <p:grpSpPr>
           <a:xfrm>
-            <a:off x="9793864" y="5265115"/>
+            <a:off x="9073384" y="5390903"/>
             <a:ext cx="1464877" cy="1098248"/>
             <a:chOff x="9793864" y="5265115"/>
             <a:chExt cx="1464877" cy="1098248"/>
@@ -9969,7 +9875,7 @@
           <p:nvPr/>
         </p:nvPicPr>
         <p:blipFill>
-          <a:blip r:embed="rId14"/>
+          <a:blip r:embed="rId13"/>
           <a:srcRect/>
           <a:stretch>
             <a:fillRect/>
@@ -10004,7 +9910,7 @@
           <p:nvPr/>
         </p:nvPicPr>
         <p:blipFill>
-          <a:blip r:embed="rId15"/>
+          <a:blip r:embed="rId14"/>
           <a:stretch>
             <a:fillRect/>
           </a:stretch>
@@ -10860,7 +10766,7 @@
           <p:nvPr/>
         </p:nvPicPr>
         <p:blipFill>
-          <a:blip r:embed="rId16"/>
+          <a:blip r:embed="rId15"/>
           <a:srcRect/>
           <a:stretch>
             <a:fillRect/>
@@ -10895,7 +10801,7 @@
           <p:nvPr/>
         </p:nvPicPr>
         <p:blipFill>
-          <a:blip r:embed="rId17"/>
+          <a:blip r:embed="rId16"/>
           <a:srcRect/>
           <a:stretch>
             <a:fillRect/>
@@ -10917,10 +10823,10 @@
       </p:pic>
       <p:sp>
         <p:nvSpPr>
-          <p:cNvPr id="58" name="Arrow: Up-Down 1031">
-            <a:extLst>
-              <a:ext uri="{FF2B5EF4-FFF2-40B4-BE49-F238E27FC236}">
-                <a16:creationId xmlns:a16="http://schemas.microsoft.com/office/drawing/2014/main" id="{85AF9BD3-4D12-4EBF-9981-68B6BC243ABB}"/>
+          <p:cNvPr id="59" name="Arrow: Up-Down 104">
+            <a:extLst>
+              <a:ext uri="{FF2B5EF4-FFF2-40B4-BE49-F238E27FC236}">
+                <a16:creationId xmlns:a16="http://schemas.microsoft.com/office/drawing/2014/main" id="{46A5CBB4-1094-452C-A82F-DCA4FE73D828}"/>
               </a:ext>
             </a:extLst>
           </p:cNvPr>
@@ -10929,204 +10835,7 @@
         </p:nvSpPr>
         <p:spPr>
           <a:xfrm>
-            <a:off x="8264210" y="5164951"/>
-            <a:ext cx="149614" cy="229880"/>
-          </a:xfrm>
-          <a:custGeom>
-            <a:avLst/>
-            <a:gdLst>
-              <a:gd name="f0" fmla="val 10800000"/>
-              <a:gd name="f1" fmla="val 5400000"/>
-              <a:gd name="f2" fmla="val 180"/>
-              <a:gd name="f3" fmla="val w"/>
-              <a:gd name="f4" fmla="val h"/>
-              <a:gd name="f5" fmla="val ss"/>
-              <a:gd name="f6" fmla="val 0"/>
-              <a:gd name="f7" fmla="val 50000"/>
-              <a:gd name="f8" fmla="+- 0 0 -270"/>
-              <a:gd name="f9" fmla="+- 0 0 -90"/>
-              <a:gd name="f10" fmla="abs f3"/>
-              <a:gd name="f11" fmla="abs f4"/>
-              <a:gd name="f12" fmla="abs f5"/>
-              <a:gd name="f13" fmla="*/ f8 f0 1"/>
-              <a:gd name="f14" fmla="*/ f9 f0 1"/>
-              <a:gd name="f15" fmla="?: f10 f3 1"/>
-              <a:gd name="f16" fmla="?: f11 f4 1"/>
-              <a:gd name="f17" fmla="?: f12 f5 1"/>
-              <a:gd name="f18" fmla="*/ f13 1 f2"/>
-              <a:gd name="f19" fmla="*/ f14 1 f2"/>
-              <a:gd name="f20" fmla="*/ f15 1 21600"/>
-              <a:gd name="f21" fmla="*/ f16 1 21600"/>
-              <a:gd name="f22" fmla="*/ 21600 f15 1"/>
-              <a:gd name="f23" fmla="*/ 21600 f16 1"/>
-              <a:gd name="f24" fmla="+- f18 0 f1"/>
-              <a:gd name="f25" fmla="+- f19 0 f1"/>
-              <a:gd name="f26" fmla="min f21 f20"/>
-              <a:gd name="f27" fmla="*/ f22 1 f17"/>
-              <a:gd name="f28" fmla="*/ f23 1 f17"/>
-              <a:gd name="f29" fmla="val f27"/>
-              <a:gd name="f30" fmla="val f28"/>
-              <a:gd name="f31" fmla="*/ f6 f26 1"/>
-              <a:gd name="f32" fmla="+- f30 0 f6"/>
-              <a:gd name="f33" fmla="+- f29 0 f6"/>
-              <a:gd name="f34" fmla="*/ f29 f26 1"/>
-              <a:gd name="f35" fmla="*/ f30 f26 1"/>
-              <a:gd name="f36" fmla="*/ f32 1 2"/>
-              <a:gd name="f37" fmla="*/ f33 1 2"/>
-              <a:gd name="f38" fmla="min f33 f32"/>
-              <a:gd name="f39" fmla="*/ f33 f7 1"/>
-              <a:gd name="f40" fmla="+- f6 f36 0"/>
-              <a:gd name="f41" fmla="+- f6 f37 0"/>
-              <a:gd name="f42" fmla="*/ f38 f7 1"/>
-              <a:gd name="f43" fmla="*/ f39 1 200000"/>
-              <a:gd name="f44" fmla="*/ f42 1 100000"/>
-              <a:gd name="f45" fmla="+- f41 0 f43"/>
-              <a:gd name="f46" fmla="+- f41 f43 0"/>
-              <a:gd name="f47" fmla="*/ f41 f26 1"/>
-              <a:gd name="f48" fmla="*/ f40 f26 1"/>
-              <a:gd name="f49" fmla="+- f30 0 f44"/>
-              <a:gd name="f50" fmla="*/ f45 f44 1"/>
-              <a:gd name="f51" fmla="*/ f45 f26 1"/>
-              <a:gd name="f52" fmla="*/ f46 f26 1"/>
-              <a:gd name="f53" fmla="*/ f44 f26 1"/>
-              <a:gd name="f54" fmla="*/ f50 1 f37"/>
-              <a:gd name="f55" fmla="*/ f49 f26 1"/>
-              <a:gd name="f56" fmla="+- f44 0 f54"/>
-              <a:gd name="f57" fmla="+- f49 f54 0"/>
-              <a:gd name="f58" fmla="*/ f56 f26 1"/>
-              <a:gd name="f59" fmla="*/ f57 f26 1"/>
-            </a:gdLst>
-            <a:ahLst/>
-            <a:cxnLst>
-              <a:cxn ang="3cd4">
-                <a:pos x="hc" y="t"/>
-              </a:cxn>
-              <a:cxn ang="0">
-                <a:pos x="r" y="vc"/>
-              </a:cxn>
-              <a:cxn ang="cd4">
-                <a:pos x="hc" y="b"/>
-              </a:cxn>
-              <a:cxn ang="cd2">
-                <a:pos x="l" y="vc"/>
-              </a:cxn>
-              <a:cxn ang="f24">
-                <a:pos x="f31" y="f53"/>
-              </a:cxn>
-              <a:cxn ang="f24">
-                <a:pos x="f51" y="f48"/>
-              </a:cxn>
-              <a:cxn ang="f24">
-                <a:pos x="f31" y="f55"/>
-              </a:cxn>
-              <a:cxn ang="f25">
-                <a:pos x="f34" y="f55"/>
-              </a:cxn>
-              <a:cxn ang="f25">
-                <a:pos x="f52" y="f48"/>
-              </a:cxn>
-              <a:cxn ang="f25">
-                <a:pos x="f34" y="f53"/>
-              </a:cxn>
-            </a:cxnLst>
-            <a:rect l="f51" t="f58" r="f52" b="f59"/>
-            <a:pathLst>
-              <a:path>
-                <a:moveTo>
-                  <a:pt x="f31" y="f53"/>
-                </a:moveTo>
-                <a:lnTo>
-                  <a:pt x="f47" y="f31"/>
-                </a:lnTo>
-                <a:lnTo>
-                  <a:pt x="f34" y="f53"/>
-                </a:lnTo>
-                <a:lnTo>
-                  <a:pt x="f52" y="f53"/>
-                </a:lnTo>
-                <a:lnTo>
-                  <a:pt x="f52" y="f55"/>
-                </a:lnTo>
-                <a:lnTo>
-                  <a:pt x="f34" y="f55"/>
-                </a:lnTo>
-                <a:lnTo>
-                  <a:pt x="f47" y="f35"/>
-                </a:lnTo>
-                <a:lnTo>
-                  <a:pt x="f31" y="f55"/>
-                </a:lnTo>
-                <a:lnTo>
-                  <a:pt x="f51" y="f55"/>
-                </a:lnTo>
-                <a:lnTo>
-                  <a:pt x="f51" y="f53"/>
-                </a:lnTo>
-                <a:close/>
-              </a:path>
-            </a:pathLst>
-          </a:custGeom>
-          <a:solidFill>
-            <a:schemeClr val="accent1"/>
-          </a:solidFill>
-          <a:ln w="12701" cap="flat">
-            <a:solidFill>
-              <a:srgbClr val="FFFFFF"/>
-            </a:solidFill>
-            <a:prstDash val="solid"/>
-            <a:miter/>
-          </a:ln>
-        </p:spPr>
-        <p:txBody>
-          <a:bodyPr vert="horz" wrap="square" lIns="91440" tIns="45720" rIns="91440" bIns="45720" anchor="ctr" anchorCtr="1" compatLnSpc="1">
-            <a:noAutofit/>
-          </a:bodyPr>
-          <a:lstStyle/>
-          <a:p>
-            <a:pPr marL="0" marR="0" lvl="0" indent="0" algn="ctr" defTabSz="914400" rtl="0" fontAlgn="auto" hangingPunct="1">
-              <a:lnSpc>
-                <a:spcPct val="100000"/>
-              </a:lnSpc>
-              <a:spcBef>
-                <a:spcPts val="0"/>
-              </a:spcBef>
-              <a:spcAft>
-                <a:spcPts val="0"/>
-              </a:spcAft>
-              <a:buNone/>
-              <a:tabLst/>
-              <a:defRPr sz="1800" b="0" i="0" u="none" strike="noStrike" kern="0" cap="none" spc="0" baseline="0">
-                <a:solidFill>
-                  <a:srgbClr val="000000"/>
-                </a:solidFill>
-                <a:uFillTx/>
-              </a:defRPr>
-            </a:pPr>
-            <a:endParaRPr lang="en-IE" sz="1800" b="0" i="0" u="none" strike="noStrike" kern="1200" cap="none" spc="0" baseline="0">
-              <a:solidFill>
-                <a:srgbClr val="FFFFFF"/>
-              </a:solidFill>
-              <a:uFillTx/>
-              <a:latin typeface="Calibri"/>
-            </a:endParaRPr>
-          </a:p>
-        </p:txBody>
-      </p:sp>
-      <p:sp>
-        <p:nvSpPr>
-          <p:cNvPr id="59" name="Arrow: Up-Down 104">
-            <a:extLst>
-              <a:ext uri="{FF2B5EF4-FFF2-40B4-BE49-F238E27FC236}">
-                <a16:creationId xmlns:a16="http://schemas.microsoft.com/office/drawing/2014/main" id="{46A5CBB4-1094-452C-A82F-DCA4FE73D828}"/>
-              </a:ext>
-            </a:extLst>
-          </p:cNvPr>
-          <p:cNvSpPr/>
-          <p:nvPr/>
-        </p:nvSpPr>
-        <p:spPr>
-          <a:xfrm>
-            <a:off x="10219169" y="5175540"/>
+            <a:off x="9648341" y="5160037"/>
             <a:ext cx="149614" cy="229880"/>
           </a:xfrm>
           <a:custGeom>
@@ -11762,99 +11471,6 @@
                 <a:latin typeface="Tw Cen MT"/>
               </a:rPr>
               <a:t>ARCHITECTURE / TECHNOLOGIES</a:t>
-            </a:r>
-          </a:p>
-        </p:txBody>
-      </p:sp>
-      <p:sp>
-        <p:nvSpPr>
-          <p:cNvPr id="65" name="TextBox 56">
-            <a:extLst>
-              <a:ext uri="{FF2B5EF4-FFF2-40B4-BE49-F238E27FC236}">
-                <a16:creationId xmlns:a16="http://schemas.microsoft.com/office/drawing/2014/main" id="{BF6393C9-AA6D-44D6-A425-0A6E40228B44}"/>
-              </a:ext>
-            </a:extLst>
-          </p:cNvPr>
-          <p:cNvSpPr txBox="1"/>
-          <p:nvPr/>
-        </p:nvSpPr>
-        <p:spPr>
-          <a:xfrm>
-            <a:off x="8726210" y="5800734"/>
-            <a:ext cx="942160" cy="646331"/>
-          </a:xfrm>
-          <a:prstGeom prst="rect">
-            <a:avLst/>
-          </a:prstGeom>
-          <a:noFill/>
-          <a:ln cap="flat">
-            <a:noFill/>
-          </a:ln>
-        </p:spPr>
-        <p:txBody>
-          <a:bodyPr vert="horz" wrap="square" lIns="91440" tIns="45720" rIns="91440" bIns="45720" anchor="t" anchorCtr="1" compatLnSpc="1">
-            <a:spAutoFit/>
-          </a:bodyPr>
-          <a:lstStyle/>
-          <a:p>
-            <a:pPr marL="0" marR="0" lvl="0" indent="0" algn="ctr" defTabSz="914400" rtl="0" fontAlgn="auto" hangingPunct="1">
-              <a:lnSpc>
-                <a:spcPct val="100000"/>
-              </a:lnSpc>
-              <a:spcBef>
-                <a:spcPts val="0"/>
-              </a:spcBef>
-              <a:spcAft>
-                <a:spcPts val="0"/>
-              </a:spcAft>
-              <a:buNone/>
-              <a:tabLst/>
-              <a:defRPr sz="1800" b="0" i="0" u="none" strike="noStrike" kern="0" cap="none" spc="0" baseline="0">
-                <a:solidFill>
-                  <a:srgbClr val="000000"/>
-                </a:solidFill>
-                <a:uFillTx/>
-              </a:defRPr>
-            </a:pPr>
-            <a:r>
-              <a:rPr lang="en-IE" sz="1200" dirty="0">
-                <a:solidFill>
-                  <a:srgbClr val="000000"/>
-                </a:solidFill>
-                <a:latin typeface="Calibri"/>
-              </a:rPr>
-              <a:t>Users</a:t>
-            </a:r>
-          </a:p>
-          <a:p>
-            <a:pPr marL="0" marR="0" lvl="0" indent="0" algn="ctr" defTabSz="914400" rtl="0" fontAlgn="auto" hangingPunct="1">
-              <a:lnSpc>
-                <a:spcPct val="100000"/>
-              </a:lnSpc>
-              <a:spcBef>
-                <a:spcPts val="0"/>
-              </a:spcBef>
-              <a:spcAft>
-                <a:spcPts val="0"/>
-              </a:spcAft>
-              <a:buNone/>
-              <a:tabLst/>
-              <a:defRPr sz="1800" b="0" i="0" u="none" strike="noStrike" kern="0" cap="none" spc="0" baseline="0">
-                <a:solidFill>
-                  <a:srgbClr val="000000"/>
-                </a:solidFill>
-                <a:uFillTx/>
-              </a:defRPr>
-            </a:pPr>
-            <a:r>
-              <a:rPr lang="en-IE" sz="1200" b="0" i="0" u="none" strike="noStrike" kern="1200" cap="none" spc="0" baseline="0" dirty="0">
-                <a:solidFill>
-                  <a:srgbClr val="000000"/>
-                </a:solidFill>
-                <a:uFillTx/>
-                <a:latin typeface="Calibri"/>
-              </a:rPr>
-              <a:t>Access Control</a:t>
             </a:r>
           </a:p>
         </p:txBody>
@@ -12637,7 +12253,7 @@
                                 </p:cTn>
                               </p:par>
                               <p:par>
-                                <p:cTn id="64" presetID="10" presetClass="entr" presetSubtype="0" fill="hold" nodeType="withEffect">
+                                <p:cTn id="64" presetID="10" presetClass="entr" presetSubtype="0" fill="hold" grpId="0" nodeType="withEffect">
                                   <p:stCondLst>
                                     <p:cond delay="0"/>
                                   </p:stCondLst>
@@ -12645,41 +12261,6 @@
                                     <p:set>
                                       <p:cBhvr>
                                         <p:cTn id="65" dur="1" fill="hold">
-                                          <p:stCondLst>
-                                            <p:cond delay="0"/>
-                                          </p:stCondLst>
-                                        </p:cTn>
-                                        <p:tgtEl>
-                                          <p:spTgt spid="30"/>
-                                        </p:tgtEl>
-                                        <p:attrNameLst>
-                                          <p:attrName>style.visibility</p:attrName>
-                                        </p:attrNameLst>
-                                      </p:cBhvr>
-                                      <p:to>
-                                        <p:strVal val="visible"/>
-                                      </p:to>
-                                    </p:set>
-                                    <p:animEffect transition="in" filter="fade">
-                                      <p:cBhvr>
-                                        <p:cTn id="66" dur="500"/>
-                                        <p:tgtEl>
-                                          <p:spTgt spid="30"/>
-                                        </p:tgtEl>
-                                      </p:cBhvr>
-                                    </p:animEffect>
-                                  </p:childTnLst>
-                                </p:cTn>
-                              </p:par>
-                              <p:par>
-                                <p:cTn id="67" presetID="10" presetClass="entr" presetSubtype="0" fill="hold" grpId="0" nodeType="withEffect">
-                                  <p:stCondLst>
-                                    <p:cond delay="0"/>
-                                  </p:stCondLst>
-                                  <p:childTnLst>
-                                    <p:set>
-                                      <p:cBhvr>
-                                        <p:cTn id="68" dur="1" fill="hold">
                                           <p:stCondLst>
                                             <p:cond delay="0"/>
                                           </p:stCondLst>
@@ -12697,7 +12278,7 @@
                                     </p:set>
                                     <p:animEffect transition="in" filter="fade">
                                       <p:cBhvr>
-                                        <p:cTn id="69" dur="500"/>
+                                        <p:cTn id="66" dur="500"/>
                                         <p:tgtEl>
                                           <p:spTgt spid="33"/>
                                         </p:tgtEl>
@@ -12707,14 +12288,14 @@
                                 </p:cTn>
                               </p:par>
                               <p:par>
-                                <p:cTn id="70" presetID="10" presetClass="entr" presetSubtype="0" fill="hold" nodeType="withEffect">
+                                <p:cTn id="67" presetID="10" presetClass="entr" presetSubtype="0" fill="hold" nodeType="withEffect">
                                   <p:stCondLst>
                                     <p:cond delay="0"/>
                                   </p:stCondLst>
                                   <p:childTnLst>
                                     <p:set>
                                       <p:cBhvr>
-                                        <p:cTn id="71" dur="1" fill="hold">
+                                        <p:cTn id="68" dur="1" fill="hold">
                                           <p:stCondLst>
                                             <p:cond delay="0"/>
                                           </p:stCondLst>
@@ -12732,9 +12313,44 @@
                                     </p:set>
                                     <p:animEffect transition="in" filter="fade">
                                       <p:cBhvr>
+                                        <p:cTn id="69" dur="500"/>
+                                        <p:tgtEl>
+                                          <p:spTgt spid="34"/>
+                                        </p:tgtEl>
+                                      </p:cBhvr>
+                                    </p:animEffect>
+                                  </p:childTnLst>
+                                </p:cTn>
+                              </p:par>
+                              <p:par>
+                                <p:cTn id="70" presetID="10" presetClass="entr" presetSubtype="0" fill="hold" grpId="0" nodeType="withEffect">
+                                  <p:stCondLst>
+                                    <p:cond delay="0"/>
+                                  </p:stCondLst>
+                                  <p:childTnLst>
+                                    <p:set>
+                                      <p:cBhvr>
+                                        <p:cTn id="71" dur="1" fill="hold">
+                                          <p:stCondLst>
+                                            <p:cond delay="0"/>
+                                          </p:stCondLst>
+                                        </p:cTn>
+                                        <p:tgtEl>
+                                          <p:spTgt spid="37"/>
+                                        </p:tgtEl>
+                                        <p:attrNameLst>
+                                          <p:attrName>style.visibility</p:attrName>
+                                        </p:attrNameLst>
+                                      </p:cBhvr>
+                                      <p:to>
+                                        <p:strVal val="visible"/>
+                                      </p:to>
+                                    </p:set>
+                                    <p:animEffect transition="in" filter="fade">
+                                      <p:cBhvr>
                                         <p:cTn id="72" dur="500"/>
                                         <p:tgtEl>
-                                          <p:spTgt spid="34"/>
+                                          <p:spTgt spid="37"/>
                                         </p:tgtEl>
                                       </p:cBhvr>
                                     </p:animEffect>
@@ -12755,7 +12371,7 @@
                                           </p:stCondLst>
                                         </p:cTn>
                                         <p:tgtEl>
-                                          <p:spTgt spid="37"/>
+                                          <p:spTgt spid="38"/>
                                         </p:tgtEl>
                                         <p:attrNameLst>
                                           <p:attrName>style.visibility</p:attrName>
@@ -12769,7 +12385,7 @@
                                       <p:cBhvr>
                                         <p:cTn id="75" dur="500"/>
                                         <p:tgtEl>
-                                          <p:spTgt spid="37"/>
+                                          <p:spTgt spid="38"/>
                                         </p:tgtEl>
                                       </p:cBhvr>
                                     </p:animEffect>
@@ -12777,7 +12393,7 @@
                                 </p:cTn>
                               </p:par>
                               <p:par>
-                                <p:cTn id="76" presetID="10" presetClass="entr" presetSubtype="0" fill="hold" grpId="0" nodeType="withEffect">
+                                <p:cTn id="76" presetID="10" presetClass="entr" presetSubtype="0" fill="hold" nodeType="withEffect">
                                   <p:stCondLst>
                                     <p:cond delay="0"/>
                                   </p:stCondLst>
@@ -12790,7 +12406,7 @@
                                           </p:stCondLst>
                                         </p:cTn>
                                         <p:tgtEl>
-                                          <p:spTgt spid="38"/>
+                                          <p:spTgt spid="39"/>
                                         </p:tgtEl>
                                         <p:attrNameLst>
                                           <p:attrName>style.visibility</p:attrName>
@@ -12804,7 +12420,7 @@
                                       <p:cBhvr>
                                         <p:cTn id="78" dur="500"/>
                                         <p:tgtEl>
-                                          <p:spTgt spid="38"/>
+                                          <p:spTgt spid="39"/>
                                         </p:tgtEl>
                                       </p:cBhvr>
                                     </p:animEffect>
@@ -12825,7 +12441,7 @@
                                           </p:stCondLst>
                                         </p:cTn>
                                         <p:tgtEl>
-                                          <p:spTgt spid="39"/>
+                                          <p:spTgt spid="40"/>
                                         </p:tgtEl>
                                         <p:attrNameLst>
                                           <p:attrName>style.visibility</p:attrName>
@@ -12839,7 +12455,7 @@
                                       <p:cBhvr>
                                         <p:cTn id="81" dur="500"/>
                                         <p:tgtEl>
-                                          <p:spTgt spid="39"/>
+                                          <p:spTgt spid="40"/>
                                         </p:tgtEl>
                                       </p:cBhvr>
                                     </p:animEffect>
@@ -12847,7 +12463,7 @@
                                 </p:cTn>
                               </p:par>
                               <p:par>
-                                <p:cTn id="82" presetID="10" presetClass="entr" presetSubtype="0" fill="hold" nodeType="withEffect">
+                                <p:cTn id="82" presetID="10" presetClass="entr" presetSubtype="0" fill="hold" grpId="0" nodeType="withEffect">
                                   <p:stCondLst>
                                     <p:cond delay="0"/>
                                   </p:stCondLst>
@@ -12860,7 +12476,7 @@
                                           </p:stCondLst>
                                         </p:cTn>
                                         <p:tgtEl>
-                                          <p:spTgt spid="40"/>
+                                          <p:spTgt spid="41"/>
                                         </p:tgtEl>
                                         <p:attrNameLst>
                                           <p:attrName>style.visibility</p:attrName>
@@ -12874,7 +12490,7 @@
                                       <p:cBhvr>
                                         <p:cTn id="84" dur="500"/>
                                         <p:tgtEl>
-                                          <p:spTgt spid="40"/>
+                                          <p:spTgt spid="41"/>
                                         </p:tgtEl>
                                       </p:cBhvr>
                                     </p:animEffect>
@@ -12895,7 +12511,7 @@
                                           </p:stCondLst>
                                         </p:cTn>
                                         <p:tgtEl>
-                                          <p:spTgt spid="41"/>
+                                          <p:spTgt spid="52"/>
                                         </p:tgtEl>
                                         <p:attrNameLst>
                                           <p:attrName>style.visibility</p:attrName>
@@ -12909,41 +12525,6 @@
                                       <p:cBhvr>
                                         <p:cTn id="87" dur="500"/>
                                         <p:tgtEl>
-                                          <p:spTgt spid="41"/>
-                                        </p:tgtEl>
-                                      </p:cBhvr>
-                                    </p:animEffect>
-                                  </p:childTnLst>
-                                </p:cTn>
-                              </p:par>
-                              <p:par>
-                                <p:cTn id="88" presetID="10" presetClass="entr" presetSubtype="0" fill="hold" grpId="0" nodeType="withEffect">
-                                  <p:stCondLst>
-                                    <p:cond delay="0"/>
-                                  </p:stCondLst>
-                                  <p:childTnLst>
-                                    <p:set>
-                                      <p:cBhvr>
-                                        <p:cTn id="89" dur="1" fill="hold">
-                                          <p:stCondLst>
-                                            <p:cond delay="0"/>
-                                          </p:stCondLst>
-                                        </p:cTn>
-                                        <p:tgtEl>
-                                          <p:spTgt spid="52"/>
-                                        </p:tgtEl>
-                                        <p:attrNameLst>
-                                          <p:attrName>style.visibility</p:attrName>
-                                        </p:attrNameLst>
-                                      </p:cBhvr>
-                                      <p:to>
-                                        <p:strVal val="visible"/>
-                                      </p:to>
-                                    </p:set>
-                                    <p:animEffect transition="in" filter="fade">
-                                      <p:cBhvr>
-                                        <p:cTn id="90" dur="500"/>
-                                        <p:tgtEl>
                                           <p:spTgt spid="52"/>
                                         </p:tgtEl>
                                       </p:cBhvr>
@@ -12952,14 +12533,14 @@
                                 </p:cTn>
                               </p:par>
                               <p:par>
-                                <p:cTn id="91" presetID="10" presetClass="entr" presetSubtype="0" fill="hold" nodeType="withEffect">
+                                <p:cTn id="88" presetID="10" presetClass="entr" presetSubtype="0" fill="hold" nodeType="withEffect">
                                   <p:stCondLst>
                                     <p:cond delay="0"/>
                                   </p:stCondLst>
                                   <p:childTnLst>
                                     <p:set>
                                       <p:cBhvr>
-                                        <p:cTn id="92" dur="1" fill="hold">
+                                        <p:cTn id="89" dur="1" fill="hold">
                                           <p:stCondLst>
                                             <p:cond delay="0"/>
                                           </p:stCondLst>
@@ -12977,9 +12558,44 @@
                                     </p:set>
                                     <p:animEffect transition="in" filter="fade">
                                       <p:cBhvr>
+                                        <p:cTn id="90" dur="500"/>
+                                        <p:tgtEl>
+                                          <p:spTgt spid="56"/>
+                                        </p:tgtEl>
+                                      </p:cBhvr>
+                                    </p:animEffect>
+                                  </p:childTnLst>
+                                </p:cTn>
+                              </p:par>
+                              <p:par>
+                                <p:cTn id="91" presetID="10" presetClass="entr" presetSubtype="0" fill="hold" grpId="0" nodeType="withEffect">
+                                  <p:stCondLst>
+                                    <p:cond delay="0"/>
+                                  </p:stCondLst>
+                                  <p:childTnLst>
+                                    <p:set>
+                                      <p:cBhvr>
+                                        <p:cTn id="92" dur="1" fill="hold">
+                                          <p:stCondLst>
+                                            <p:cond delay="0"/>
+                                          </p:stCondLst>
+                                        </p:cTn>
+                                        <p:tgtEl>
+                                          <p:spTgt spid="59"/>
+                                        </p:tgtEl>
+                                        <p:attrNameLst>
+                                          <p:attrName>style.visibility</p:attrName>
+                                        </p:attrNameLst>
+                                      </p:cBhvr>
+                                      <p:to>
+                                        <p:strVal val="visible"/>
+                                      </p:to>
+                                    </p:set>
+                                    <p:animEffect transition="in" filter="fade">
+                                      <p:cBhvr>
                                         <p:cTn id="93" dur="500"/>
                                         <p:tgtEl>
-                                          <p:spTgt spid="56"/>
+                                          <p:spTgt spid="59"/>
                                         </p:tgtEl>
                                       </p:cBhvr>
                                     </p:animEffect>
@@ -13000,7 +12616,7 @@
                                           </p:stCondLst>
                                         </p:cTn>
                                         <p:tgtEl>
-                                          <p:spTgt spid="58"/>
+                                          <p:spTgt spid="60"/>
                                         </p:tgtEl>
                                         <p:attrNameLst>
                                           <p:attrName>style.visibility</p:attrName>
@@ -13014,7 +12630,7 @@
                                       <p:cBhvr>
                                         <p:cTn id="96" dur="500"/>
                                         <p:tgtEl>
-                                          <p:spTgt spid="58"/>
+                                          <p:spTgt spid="60"/>
                                         </p:tgtEl>
                                       </p:cBhvr>
                                     </p:animEffect>
@@ -13035,7 +12651,7 @@
                                           </p:stCondLst>
                                         </p:cTn>
                                         <p:tgtEl>
-                                          <p:spTgt spid="59"/>
+                                          <p:spTgt spid="61"/>
                                         </p:tgtEl>
                                         <p:attrNameLst>
                                           <p:attrName>style.visibility</p:attrName>
@@ -13048,76 +12664,6 @@
                                     <p:animEffect transition="in" filter="fade">
                                       <p:cBhvr>
                                         <p:cTn id="99" dur="500"/>
-                                        <p:tgtEl>
-                                          <p:spTgt spid="59"/>
-                                        </p:tgtEl>
-                                      </p:cBhvr>
-                                    </p:animEffect>
-                                  </p:childTnLst>
-                                </p:cTn>
-                              </p:par>
-                              <p:par>
-                                <p:cTn id="100" presetID="10" presetClass="entr" presetSubtype="0" fill="hold" grpId="0" nodeType="withEffect">
-                                  <p:stCondLst>
-                                    <p:cond delay="0"/>
-                                  </p:stCondLst>
-                                  <p:childTnLst>
-                                    <p:set>
-                                      <p:cBhvr>
-                                        <p:cTn id="101" dur="1" fill="hold">
-                                          <p:stCondLst>
-                                            <p:cond delay="0"/>
-                                          </p:stCondLst>
-                                        </p:cTn>
-                                        <p:tgtEl>
-                                          <p:spTgt spid="60"/>
-                                        </p:tgtEl>
-                                        <p:attrNameLst>
-                                          <p:attrName>style.visibility</p:attrName>
-                                        </p:attrNameLst>
-                                      </p:cBhvr>
-                                      <p:to>
-                                        <p:strVal val="visible"/>
-                                      </p:to>
-                                    </p:set>
-                                    <p:animEffect transition="in" filter="fade">
-                                      <p:cBhvr>
-                                        <p:cTn id="102" dur="500"/>
-                                        <p:tgtEl>
-                                          <p:spTgt spid="60"/>
-                                        </p:tgtEl>
-                                      </p:cBhvr>
-                                    </p:animEffect>
-                                  </p:childTnLst>
-                                </p:cTn>
-                              </p:par>
-                              <p:par>
-                                <p:cTn id="103" presetID="10" presetClass="entr" presetSubtype="0" fill="hold" grpId="0" nodeType="withEffect">
-                                  <p:stCondLst>
-                                    <p:cond delay="0"/>
-                                  </p:stCondLst>
-                                  <p:childTnLst>
-                                    <p:set>
-                                      <p:cBhvr>
-                                        <p:cTn id="104" dur="1" fill="hold">
-                                          <p:stCondLst>
-                                            <p:cond delay="0"/>
-                                          </p:stCondLst>
-                                        </p:cTn>
-                                        <p:tgtEl>
-                                          <p:spTgt spid="61"/>
-                                        </p:tgtEl>
-                                        <p:attrNameLst>
-                                          <p:attrName>style.visibility</p:attrName>
-                                        </p:attrNameLst>
-                                      </p:cBhvr>
-                                      <p:to>
-                                        <p:strVal val="visible"/>
-                                      </p:to>
-                                    </p:set>
-                                    <p:animEffect transition="in" filter="fade">
-                                      <p:cBhvr>
-                                        <p:cTn id="105" dur="500"/>
                                         <p:tgtEl>
                                           <p:spTgt spid="61"/>
                                         </p:tgtEl>
@@ -13133,26 +12679,26 @@
                     </p:cTn>
                   </p:par>
                   <p:par>
-                    <p:cTn id="106" fill="hold">
+                    <p:cTn id="100" fill="hold">
                       <p:stCondLst>
                         <p:cond delay="indefinite"/>
                       </p:stCondLst>
                       <p:childTnLst>
                         <p:par>
-                          <p:cTn id="107" fill="hold">
+                          <p:cTn id="101" fill="hold">
                             <p:stCondLst>
                               <p:cond delay="0"/>
                             </p:stCondLst>
                             <p:childTnLst>
                               <p:par>
-                                <p:cTn id="108" presetID="10" presetClass="entr" presetSubtype="0" fill="hold" nodeType="clickEffect">
+                                <p:cTn id="102" presetID="10" presetClass="entr" presetSubtype="0" fill="hold" nodeType="clickEffect">
                                   <p:stCondLst>
                                     <p:cond delay="0"/>
                                   </p:stCondLst>
                                   <p:childTnLst>
                                     <p:set>
                                       <p:cBhvr>
-                                        <p:cTn id="109" dur="1" fill="hold">
+                                        <p:cTn id="103" dur="1" fill="hold">
                                           <p:stCondLst>
                                             <p:cond delay="0"/>
                                           </p:stCondLst>
@@ -13170,7 +12716,7 @@
                                     </p:set>
                                     <p:animEffect transition="in" filter="fade">
                                       <p:cBhvr>
-                                        <p:cTn id="110" dur="500"/>
+                                        <p:cTn id="104" dur="500"/>
                                         <p:tgtEl>
                                           <p:spTgt spid="44"/>
                                         </p:tgtEl>
@@ -13180,14 +12726,14 @@
                                 </p:cTn>
                               </p:par>
                               <p:par>
-                                <p:cTn id="111" presetID="10" presetClass="entr" presetSubtype="0" fill="hold" grpId="0" nodeType="withEffect">
+                                <p:cTn id="105" presetID="10" presetClass="entr" presetSubtype="0" fill="hold" grpId="0" nodeType="withEffect">
                                   <p:stCondLst>
                                     <p:cond delay="0"/>
                                   </p:stCondLst>
                                   <p:childTnLst>
                                     <p:set>
                                       <p:cBhvr>
-                                        <p:cTn id="112" dur="1" fill="hold">
+                                        <p:cTn id="106" dur="1" fill="hold">
                                           <p:stCondLst>
                                             <p:cond delay="0"/>
                                           </p:stCondLst>
@@ -13205,7 +12751,7 @@
                                     </p:set>
                                     <p:animEffect transition="in" filter="fade">
                                       <p:cBhvr>
-                                        <p:cTn id="113" dur="500"/>
+                                        <p:cTn id="107" dur="500"/>
                                         <p:tgtEl>
                                           <p:spTgt spid="42"/>
                                         </p:tgtEl>
@@ -13215,14 +12761,14 @@
                                 </p:cTn>
                               </p:par>
                               <p:par>
-                                <p:cTn id="114" presetID="10" presetClass="entr" presetSubtype="0" fill="hold" nodeType="withEffect">
+                                <p:cTn id="108" presetID="10" presetClass="entr" presetSubtype="0" fill="hold" nodeType="withEffect">
                                   <p:stCondLst>
                                     <p:cond delay="0"/>
                                   </p:stCondLst>
                                   <p:childTnLst>
                                     <p:set>
                                       <p:cBhvr>
-                                        <p:cTn id="115" dur="1" fill="hold">
+                                        <p:cTn id="109" dur="1" fill="hold">
                                           <p:stCondLst>
                                             <p:cond delay="0"/>
                                           </p:stCondLst>
@@ -13240,9 +12786,79 @@
                                     </p:set>
                                     <p:animEffect transition="in" filter="fade">
                                       <p:cBhvr>
+                                        <p:cTn id="110" dur="500"/>
+                                        <p:tgtEl>
+                                          <p:spTgt spid="45"/>
+                                        </p:tgtEl>
+                                      </p:cBhvr>
+                                    </p:animEffect>
+                                  </p:childTnLst>
+                                </p:cTn>
+                              </p:par>
+                              <p:par>
+                                <p:cTn id="111" presetID="10" presetClass="entr" presetSubtype="0" fill="hold" nodeType="withEffect">
+                                  <p:stCondLst>
+                                    <p:cond delay="0"/>
+                                  </p:stCondLst>
+                                  <p:childTnLst>
+                                    <p:set>
+                                      <p:cBhvr>
+                                        <p:cTn id="112" dur="1" fill="hold">
+                                          <p:stCondLst>
+                                            <p:cond delay="0"/>
+                                          </p:stCondLst>
+                                        </p:cTn>
+                                        <p:tgtEl>
+                                          <p:spTgt spid="46"/>
+                                        </p:tgtEl>
+                                        <p:attrNameLst>
+                                          <p:attrName>style.visibility</p:attrName>
+                                        </p:attrNameLst>
+                                      </p:cBhvr>
+                                      <p:to>
+                                        <p:strVal val="visible"/>
+                                      </p:to>
+                                    </p:set>
+                                    <p:animEffect transition="in" filter="fade">
+                                      <p:cBhvr>
+                                        <p:cTn id="113" dur="500"/>
+                                        <p:tgtEl>
+                                          <p:spTgt spid="46"/>
+                                        </p:tgtEl>
+                                      </p:cBhvr>
+                                    </p:animEffect>
+                                  </p:childTnLst>
+                                </p:cTn>
+                              </p:par>
+                              <p:par>
+                                <p:cTn id="114" presetID="10" presetClass="entr" presetSubtype="0" fill="hold" grpId="0" nodeType="withEffect">
+                                  <p:stCondLst>
+                                    <p:cond delay="0"/>
+                                  </p:stCondLst>
+                                  <p:childTnLst>
+                                    <p:set>
+                                      <p:cBhvr>
+                                        <p:cTn id="115" dur="1" fill="hold">
+                                          <p:stCondLst>
+                                            <p:cond delay="0"/>
+                                          </p:stCondLst>
+                                        </p:cTn>
+                                        <p:tgtEl>
+                                          <p:spTgt spid="43"/>
+                                        </p:tgtEl>
+                                        <p:attrNameLst>
+                                          <p:attrName>style.visibility</p:attrName>
+                                        </p:attrNameLst>
+                                      </p:cBhvr>
+                                      <p:to>
+                                        <p:strVal val="visible"/>
+                                      </p:to>
+                                    </p:set>
+                                    <p:animEffect transition="in" filter="fade">
+                                      <p:cBhvr>
                                         <p:cTn id="116" dur="500"/>
                                         <p:tgtEl>
-                                          <p:spTgt spid="45"/>
+                                          <p:spTgt spid="43"/>
                                         </p:tgtEl>
                                       </p:cBhvr>
                                     </p:animEffect>
@@ -13263,7 +12879,7 @@
                                           </p:stCondLst>
                                         </p:cTn>
                                         <p:tgtEl>
-                                          <p:spTgt spid="46"/>
+                                          <p:spTgt spid="57"/>
                                         </p:tgtEl>
                                         <p:attrNameLst>
                                           <p:attrName>style.visibility</p:attrName>
@@ -13277,76 +12893,6 @@
                                       <p:cBhvr>
                                         <p:cTn id="119" dur="500"/>
                                         <p:tgtEl>
-                                          <p:spTgt spid="46"/>
-                                        </p:tgtEl>
-                                      </p:cBhvr>
-                                    </p:animEffect>
-                                  </p:childTnLst>
-                                </p:cTn>
-                              </p:par>
-                              <p:par>
-                                <p:cTn id="120" presetID="10" presetClass="entr" presetSubtype="0" fill="hold" grpId="0" nodeType="withEffect">
-                                  <p:stCondLst>
-                                    <p:cond delay="0"/>
-                                  </p:stCondLst>
-                                  <p:childTnLst>
-                                    <p:set>
-                                      <p:cBhvr>
-                                        <p:cTn id="121" dur="1" fill="hold">
-                                          <p:stCondLst>
-                                            <p:cond delay="0"/>
-                                          </p:stCondLst>
-                                        </p:cTn>
-                                        <p:tgtEl>
-                                          <p:spTgt spid="43"/>
-                                        </p:tgtEl>
-                                        <p:attrNameLst>
-                                          <p:attrName>style.visibility</p:attrName>
-                                        </p:attrNameLst>
-                                      </p:cBhvr>
-                                      <p:to>
-                                        <p:strVal val="visible"/>
-                                      </p:to>
-                                    </p:set>
-                                    <p:animEffect transition="in" filter="fade">
-                                      <p:cBhvr>
-                                        <p:cTn id="122" dur="500"/>
-                                        <p:tgtEl>
-                                          <p:spTgt spid="43"/>
-                                        </p:tgtEl>
-                                      </p:cBhvr>
-                                    </p:animEffect>
-                                  </p:childTnLst>
-                                </p:cTn>
-                              </p:par>
-                              <p:par>
-                                <p:cTn id="123" presetID="10" presetClass="entr" presetSubtype="0" fill="hold" nodeType="withEffect">
-                                  <p:stCondLst>
-                                    <p:cond delay="0"/>
-                                  </p:stCondLst>
-                                  <p:childTnLst>
-                                    <p:set>
-                                      <p:cBhvr>
-                                        <p:cTn id="124" dur="1" fill="hold">
-                                          <p:stCondLst>
-                                            <p:cond delay="0"/>
-                                          </p:stCondLst>
-                                        </p:cTn>
-                                        <p:tgtEl>
-                                          <p:spTgt spid="57"/>
-                                        </p:tgtEl>
-                                        <p:attrNameLst>
-                                          <p:attrName>style.visibility</p:attrName>
-                                        </p:attrNameLst>
-                                      </p:cBhvr>
-                                      <p:to>
-                                        <p:strVal val="visible"/>
-                                      </p:to>
-                                    </p:set>
-                                    <p:animEffect transition="in" filter="fade">
-                                      <p:cBhvr>
-                                        <p:cTn id="125" dur="500"/>
-                                        <p:tgtEl>
                                           <p:spTgt spid="57"/>
                                         </p:tgtEl>
                                       </p:cBhvr>
@@ -13355,14 +12901,14 @@
                                 </p:cTn>
                               </p:par>
                               <p:par>
-                                <p:cTn id="126" presetID="10" presetClass="entr" presetSubtype="0" fill="hold" nodeType="withEffect">
+                                <p:cTn id="120" presetID="10" presetClass="entr" presetSubtype="0" fill="hold" nodeType="withEffect">
                                   <p:stCondLst>
                                     <p:cond delay="0"/>
                                   </p:stCondLst>
                                   <p:childTnLst>
                                     <p:set>
                                       <p:cBhvr>
-                                        <p:cTn id="127" dur="1" fill="hold">
+                                        <p:cTn id="121" dur="1" fill="hold">
                                           <p:stCondLst>
                                             <p:cond delay="0"/>
                                           </p:stCondLst>
@@ -13380,7 +12926,7 @@
                                     </p:set>
                                     <p:animEffect transition="in" filter="fade">
                                       <p:cBhvr>
-                                        <p:cTn id="128" dur="500"/>
+                                        <p:cTn id="122" dur="500"/>
                                         <p:tgtEl>
                                           <p:spTgt spid="47"/>
                                         </p:tgtEl>
@@ -13396,26 +12942,26 @@
                     </p:cTn>
                   </p:par>
                   <p:par>
-                    <p:cTn id="129" fill="hold">
+                    <p:cTn id="123" fill="hold">
                       <p:stCondLst>
                         <p:cond delay="indefinite"/>
                       </p:stCondLst>
                       <p:childTnLst>
                         <p:par>
-                          <p:cTn id="130" fill="hold">
+                          <p:cTn id="124" fill="hold">
                             <p:stCondLst>
                               <p:cond delay="0"/>
                             </p:stCondLst>
                             <p:childTnLst>
                               <p:par>
-                                <p:cTn id="131" presetID="10" presetClass="entr" presetSubtype="0" fill="hold" nodeType="clickEffect">
+                                <p:cTn id="125" presetID="10" presetClass="entr" presetSubtype="0" fill="hold" nodeType="clickEffect">
                                   <p:stCondLst>
                                     <p:cond delay="0"/>
                                   </p:stCondLst>
                                   <p:childTnLst>
                                     <p:set>
                                       <p:cBhvr>
-                                        <p:cTn id="132" dur="1" fill="hold">
+                                        <p:cTn id="126" dur="1" fill="hold">
                                           <p:stCondLst>
                                             <p:cond delay="0"/>
                                           </p:stCondLst>
@@ -13433,7 +12979,7 @@
                                     </p:set>
                                     <p:animEffect transition="in" filter="fade">
                                       <p:cBhvr>
-                                        <p:cTn id="133" dur="500"/>
+                                        <p:cTn id="127" dur="500"/>
                                         <p:tgtEl>
                                           <p:spTgt spid="49"/>
                                         </p:tgtEl>
@@ -13443,14 +12989,14 @@
                                 </p:cTn>
                               </p:par>
                               <p:par>
-                                <p:cTn id="134" presetID="10" presetClass="entr" presetSubtype="0" fill="hold" grpId="0" nodeType="withEffect">
+                                <p:cTn id="128" presetID="10" presetClass="entr" presetSubtype="0" fill="hold" grpId="0" nodeType="withEffect">
                                   <p:stCondLst>
                                     <p:cond delay="0"/>
                                   </p:stCondLst>
                                   <p:childTnLst>
                                     <p:set>
                                       <p:cBhvr>
-                                        <p:cTn id="135" dur="1" fill="hold">
+                                        <p:cTn id="129" dur="1" fill="hold">
                                           <p:stCondLst>
                                             <p:cond delay="0"/>
                                           </p:stCondLst>
@@ -13468,9 +13014,79 @@
                                     </p:set>
                                     <p:animEffect transition="in" filter="fade">
                                       <p:cBhvr>
+                                        <p:cTn id="130" dur="500"/>
+                                        <p:tgtEl>
+                                          <p:spTgt spid="48"/>
+                                        </p:tgtEl>
+                                      </p:cBhvr>
+                                    </p:animEffect>
+                                  </p:childTnLst>
+                                </p:cTn>
+                              </p:par>
+                              <p:par>
+                                <p:cTn id="131" presetID="10" presetClass="entr" presetSubtype="0" fill="hold" nodeType="withEffect">
+                                  <p:stCondLst>
+                                    <p:cond delay="0"/>
+                                  </p:stCondLst>
+                                  <p:childTnLst>
+                                    <p:set>
+                                      <p:cBhvr>
+                                        <p:cTn id="132" dur="1" fill="hold">
+                                          <p:stCondLst>
+                                            <p:cond delay="0"/>
+                                          </p:stCondLst>
+                                        </p:cTn>
+                                        <p:tgtEl>
+                                          <p:spTgt spid="50"/>
+                                        </p:tgtEl>
+                                        <p:attrNameLst>
+                                          <p:attrName>style.visibility</p:attrName>
+                                        </p:attrNameLst>
+                                      </p:cBhvr>
+                                      <p:to>
+                                        <p:strVal val="visible"/>
+                                      </p:to>
+                                    </p:set>
+                                    <p:animEffect transition="in" filter="fade">
+                                      <p:cBhvr>
+                                        <p:cTn id="133" dur="500"/>
+                                        <p:tgtEl>
+                                          <p:spTgt spid="50"/>
+                                        </p:tgtEl>
+                                      </p:cBhvr>
+                                    </p:animEffect>
+                                  </p:childTnLst>
+                                </p:cTn>
+                              </p:par>
+                              <p:par>
+                                <p:cTn id="134" presetID="10" presetClass="entr" presetSubtype="0" fill="hold" nodeType="withEffect">
+                                  <p:stCondLst>
+                                    <p:cond delay="0"/>
+                                  </p:stCondLst>
+                                  <p:childTnLst>
+                                    <p:set>
+                                      <p:cBhvr>
+                                        <p:cTn id="135" dur="1" fill="hold">
+                                          <p:stCondLst>
+                                            <p:cond delay="0"/>
+                                          </p:stCondLst>
+                                        </p:cTn>
+                                        <p:tgtEl>
+                                          <p:spTgt spid="17"/>
+                                        </p:tgtEl>
+                                        <p:attrNameLst>
+                                          <p:attrName>style.visibility</p:attrName>
+                                        </p:attrNameLst>
+                                      </p:cBhvr>
+                                      <p:to>
+                                        <p:strVal val="visible"/>
+                                      </p:to>
+                                    </p:set>
+                                    <p:animEffect transition="in" filter="fade">
+                                      <p:cBhvr>
                                         <p:cTn id="136" dur="500"/>
                                         <p:tgtEl>
-                                          <p:spTgt spid="48"/>
+                                          <p:spTgt spid="17"/>
                                         </p:tgtEl>
                                       </p:cBhvr>
                                     </p:animEffect>
@@ -13491,7 +13107,7 @@
                                           </p:stCondLst>
                                         </p:cTn>
                                         <p:tgtEl>
-                                          <p:spTgt spid="50"/>
+                                          <p:spTgt spid="54"/>
                                         </p:tgtEl>
                                         <p:attrNameLst>
                                           <p:attrName>style.visibility</p:attrName>
@@ -13505,7 +13121,7 @@
                                       <p:cBhvr>
                                         <p:cTn id="139" dur="500"/>
                                         <p:tgtEl>
-                                          <p:spTgt spid="50"/>
+                                          <p:spTgt spid="54"/>
                                         </p:tgtEl>
                                       </p:cBhvr>
                                     </p:animEffect>
@@ -13513,7 +13129,7 @@
                                 </p:cTn>
                               </p:par>
                               <p:par>
-                                <p:cTn id="140" presetID="10" presetClass="entr" presetSubtype="0" fill="hold" nodeType="withEffect">
+                                <p:cTn id="140" presetID="10" presetClass="entr" presetSubtype="0" fill="hold" grpId="0" nodeType="withEffect">
                                   <p:stCondLst>
                                     <p:cond delay="0"/>
                                   </p:stCondLst>
@@ -13526,7 +13142,7 @@
                                           </p:stCondLst>
                                         </p:cTn>
                                         <p:tgtEl>
-                                          <p:spTgt spid="17"/>
+                                          <p:spTgt spid="51"/>
                                         </p:tgtEl>
                                         <p:attrNameLst>
                                           <p:attrName>style.visibility</p:attrName>
@@ -13540,7 +13156,7 @@
                                       <p:cBhvr>
                                         <p:cTn id="142" dur="500"/>
                                         <p:tgtEl>
-                                          <p:spTgt spid="17"/>
+                                          <p:spTgt spid="51"/>
                                         </p:tgtEl>
                                       </p:cBhvr>
                                     </p:animEffect>
@@ -13561,7 +13177,7 @@
                                           </p:stCondLst>
                                         </p:cTn>
                                         <p:tgtEl>
-                                          <p:spTgt spid="54"/>
+                                          <p:spTgt spid="55"/>
                                         </p:tgtEl>
                                         <p:attrNameLst>
                                           <p:attrName>style.visibility</p:attrName>
@@ -13575,7 +13191,7 @@
                                       <p:cBhvr>
                                         <p:cTn id="145" dur="500"/>
                                         <p:tgtEl>
-                                          <p:spTgt spid="54"/>
+                                          <p:spTgt spid="55"/>
                                         </p:tgtEl>
                                       </p:cBhvr>
                                     </p:animEffect>
@@ -13596,7 +13212,7 @@
                                           </p:stCondLst>
                                         </p:cTn>
                                         <p:tgtEl>
-                                          <p:spTgt spid="51"/>
+                                          <p:spTgt spid="66"/>
                                         </p:tgtEl>
                                         <p:attrNameLst>
                                           <p:attrName>style.visibility</p:attrName>
@@ -13609,111 +13225,6 @@
                                     <p:animEffect transition="in" filter="fade">
                                       <p:cBhvr>
                                         <p:cTn id="148" dur="500"/>
-                                        <p:tgtEl>
-                                          <p:spTgt spid="51"/>
-                                        </p:tgtEl>
-                                      </p:cBhvr>
-                                    </p:animEffect>
-                                  </p:childTnLst>
-                                </p:cTn>
-                              </p:par>
-                              <p:par>
-                                <p:cTn id="149" presetID="10" presetClass="entr" presetSubtype="0" fill="hold" nodeType="withEffect">
-                                  <p:stCondLst>
-                                    <p:cond delay="0"/>
-                                  </p:stCondLst>
-                                  <p:childTnLst>
-                                    <p:set>
-                                      <p:cBhvr>
-                                        <p:cTn id="150" dur="1" fill="hold">
-                                          <p:stCondLst>
-                                            <p:cond delay="0"/>
-                                          </p:stCondLst>
-                                        </p:cTn>
-                                        <p:tgtEl>
-                                          <p:spTgt spid="55"/>
-                                        </p:tgtEl>
-                                        <p:attrNameLst>
-                                          <p:attrName>style.visibility</p:attrName>
-                                        </p:attrNameLst>
-                                      </p:cBhvr>
-                                      <p:to>
-                                        <p:strVal val="visible"/>
-                                      </p:to>
-                                    </p:set>
-                                    <p:animEffect transition="in" filter="fade">
-                                      <p:cBhvr>
-                                        <p:cTn id="151" dur="500"/>
-                                        <p:tgtEl>
-                                          <p:spTgt spid="55"/>
-                                        </p:tgtEl>
-                                      </p:cBhvr>
-                                    </p:animEffect>
-                                  </p:childTnLst>
-                                </p:cTn>
-                              </p:par>
-                              <p:par>
-                                <p:cTn id="152" presetID="10" presetClass="entr" presetSubtype="0" fill="hold" grpId="0" nodeType="withEffect">
-                                  <p:stCondLst>
-                                    <p:cond delay="0"/>
-                                  </p:stCondLst>
-                                  <p:childTnLst>
-                                    <p:set>
-                                      <p:cBhvr>
-                                        <p:cTn id="153" dur="1" fill="hold">
-                                          <p:stCondLst>
-                                            <p:cond delay="0"/>
-                                          </p:stCondLst>
-                                        </p:cTn>
-                                        <p:tgtEl>
-                                          <p:spTgt spid="65"/>
-                                        </p:tgtEl>
-                                        <p:attrNameLst>
-                                          <p:attrName>style.visibility</p:attrName>
-                                        </p:attrNameLst>
-                                      </p:cBhvr>
-                                      <p:to>
-                                        <p:strVal val="visible"/>
-                                      </p:to>
-                                    </p:set>
-                                    <p:animEffect transition="in" filter="fade">
-                                      <p:cBhvr>
-                                        <p:cTn id="154" dur="500"/>
-                                        <p:tgtEl>
-                                          <p:spTgt spid="65"/>
-                                        </p:tgtEl>
-                                      </p:cBhvr>
-                                    </p:animEffect>
-                                  </p:childTnLst>
-                                </p:cTn>
-                              </p:par>
-                              <p:par>
-                                <p:cTn id="155" presetID="10" presetClass="entr" presetSubtype="0" fill="hold" grpId="0" nodeType="withEffect">
-                                  <p:stCondLst>
-                                    <p:cond delay="0"/>
-                                  </p:stCondLst>
-                                  <p:childTnLst>
-                                    <p:set>
-                                      <p:cBhvr>
-                                        <p:cTn id="156" dur="1" fill="hold">
-                                          <p:stCondLst>
-                                            <p:cond delay="0"/>
-                                          </p:stCondLst>
-                                        </p:cTn>
-                                        <p:tgtEl>
-                                          <p:spTgt spid="66"/>
-                                        </p:tgtEl>
-                                        <p:attrNameLst>
-                                          <p:attrName>style.visibility</p:attrName>
-                                        </p:attrNameLst>
-                                      </p:cBhvr>
-                                      <p:to>
-                                        <p:strVal val="visible"/>
-                                      </p:to>
-                                    </p:set>
-                                    <p:animEffect transition="in" filter="fade">
-                                      <p:cBhvr>
-                                        <p:cTn id="157" dur="500"/>
                                         <p:tgtEl>
                                           <p:spTgt spid="66"/>
                                         </p:tgtEl>
@@ -13767,11 +13278,9 @@
       <p:bldP spid="51" grpId="0"/>
       <p:bldP spid="52" grpId="0" animBg="1"/>
       <p:bldP spid="53" grpId="0" animBg="1"/>
-      <p:bldP spid="58" grpId="0" animBg="1"/>
       <p:bldP spid="59" grpId="0" animBg="1"/>
       <p:bldP spid="60" grpId="0" animBg="1"/>
       <p:bldP spid="61" grpId="0" animBg="1"/>
-      <p:bldP spid="65" grpId="0"/>
       <p:bldP spid="66" grpId="0"/>
     </p:bldLst>
   </p:timing>
